--- a/ppt 16-9/0226.同贺圣诞歌.pptx
+++ b/ppt 16-9/0226.同贺圣诞歌.pptx
@@ -5,7 +5,7 @@
     <p:sldMasterId id="2147483648" r:id="rId1"/>
   </p:sldMasterIdLst>
   <p:sldIdLst>
-    <p:sldId id="3047" r:id="rId2"/>
+    <p:sldId id="3049" r:id="rId2"/>
   </p:sldIdLst>
   <p:sldSz cx="12192000" cy="6858000"/>
   <p:notesSz cx="6858000" cy="9144000"/>
@@ -129,7 +129,7 @@
           <p:cNvPr id="2" name="标题 1">
             <a:extLst>
               <a:ext uri="{FF2B5EF4-FFF2-40B4-BE49-F238E27FC236}">
-                <a16:creationId xmlns:a16="http://schemas.microsoft.com/office/drawing/2014/main" id="{245F8CFC-09AB-37C9-1B30-C21F591BF449}"/>
+                <a16:creationId xmlns:a16="http://schemas.microsoft.com/office/drawing/2014/main" id="{B71673E8-EC61-7150-9652-7D7378F519F7}"/>
               </a:ext>
             </a:extLst>
           </p:cNvPr>
@@ -166,7 +166,7 @@
           <p:cNvPr id="3" name="副标题 2">
             <a:extLst>
               <a:ext uri="{FF2B5EF4-FFF2-40B4-BE49-F238E27FC236}">
-                <a16:creationId xmlns:a16="http://schemas.microsoft.com/office/drawing/2014/main" id="{67C0DD03-6917-F325-4B2C-4F44F8E74069}"/>
+                <a16:creationId xmlns:a16="http://schemas.microsoft.com/office/drawing/2014/main" id="{A8BDCAD7-8903-DAD3-3C4A-6FA297EB0341}"/>
               </a:ext>
             </a:extLst>
           </p:cNvPr>
@@ -236,7 +236,7 @@
           <p:cNvPr id="4" name="日期占位符 3">
             <a:extLst>
               <a:ext uri="{FF2B5EF4-FFF2-40B4-BE49-F238E27FC236}">
-                <a16:creationId xmlns:a16="http://schemas.microsoft.com/office/drawing/2014/main" id="{7C585FFF-46DD-436C-13C6-014A454D2D87}"/>
+                <a16:creationId xmlns:a16="http://schemas.microsoft.com/office/drawing/2014/main" id="{6AFE0977-5C7B-B67A-B35C-B5674AA01666}"/>
               </a:ext>
             </a:extLst>
           </p:cNvPr>
@@ -252,7 +252,7 @@
           <a:bodyPr/>
           <a:lstStyle/>
           <a:p>
-            <a:fld id="{BA62487B-EF95-4D13-A01E-5B533A8E10BE}" type="datetimeFigureOut">
+            <a:fld id="{6318C4EC-C15E-4CE3-810C-8C5A7BE02FC3}" type="datetimeFigureOut">
               <a:rPr lang="zh-CN" altLang="en-US" smtClean="0"/>
               <a:t>2024/3/10</a:t>
             </a:fld>
@@ -265,7 +265,7 @@
           <p:cNvPr id="5" name="页脚占位符 4">
             <a:extLst>
               <a:ext uri="{FF2B5EF4-FFF2-40B4-BE49-F238E27FC236}">
-                <a16:creationId xmlns:a16="http://schemas.microsoft.com/office/drawing/2014/main" id="{58980E19-8E0B-5FB9-F2F6-B0E92DAE989C}"/>
+                <a16:creationId xmlns:a16="http://schemas.microsoft.com/office/drawing/2014/main" id="{867B65A4-3C23-3704-AC16-5BE12D074FB3}"/>
               </a:ext>
             </a:extLst>
           </p:cNvPr>
@@ -290,7 +290,7 @@
           <p:cNvPr id="6" name="灯片编号占位符 5">
             <a:extLst>
               <a:ext uri="{FF2B5EF4-FFF2-40B4-BE49-F238E27FC236}">
-                <a16:creationId xmlns:a16="http://schemas.microsoft.com/office/drawing/2014/main" id="{D4D0FE7E-0185-A0CC-3514-17D150C0B834}"/>
+                <a16:creationId xmlns:a16="http://schemas.microsoft.com/office/drawing/2014/main" id="{AED003BA-4B5C-B042-1807-A8734EF043C7}"/>
               </a:ext>
             </a:extLst>
           </p:cNvPr>
@@ -306,7 +306,7 @@
           <a:bodyPr/>
           <a:lstStyle/>
           <a:p>
-            <a:fld id="{8B68F3C1-C289-4B8C-8DF5-6D2C15061BEC}" type="slidenum">
+            <a:fld id="{CC4F2802-8A8B-48C7-B368-469EEC0A3886}" type="slidenum">
               <a:rPr lang="zh-CN" altLang="en-US" smtClean="0"/>
               <a:t>‹#›</a:t>
             </a:fld>
@@ -317,7 +317,7 @@
     </p:spTree>
     <p:extLst>
       <p:ext uri="{BB962C8B-B14F-4D97-AF65-F5344CB8AC3E}">
-        <p14:creationId xmlns:p14="http://schemas.microsoft.com/office/powerpoint/2010/main" val="4152493666"/>
+        <p14:creationId xmlns:p14="http://schemas.microsoft.com/office/powerpoint/2010/main" val="1303223086"/>
       </p:ext>
     </p:extLst>
   </p:cSld>
@@ -349,7 +349,7 @@
           <p:cNvPr id="2" name="标题 1">
             <a:extLst>
               <a:ext uri="{FF2B5EF4-FFF2-40B4-BE49-F238E27FC236}">
-                <a16:creationId xmlns:a16="http://schemas.microsoft.com/office/drawing/2014/main" id="{C1EE635A-016B-F698-6E0C-E186A8650D02}"/>
+                <a16:creationId xmlns:a16="http://schemas.microsoft.com/office/drawing/2014/main" id="{D21CDD0B-9D63-690B-57B9-5AAA00439E38}"/>
               </a:ext>
             </a:extLst>
           </p:cNvPr>
@@ -377,7 +377,7 @@
           <p:cNvPr id="3" name="竖排文字占位符 2">
             <a:extLst>
               <a:ext uri="{FF2B5EF4-FFF2-40B4-BE49-F238E27FC236}">
-                <a16:creationId xmlns:a16="http://schemas.microsoft.com/office/drawing/2014/main" id="{1B767205-7170-FF7B-6BB0-0C721BF11829}"/>
+                <a16:creationId xmlns:a16="http://schemas.microsoft.com/office/drawing/2014/main" id="{4CF0528A-BBCC-7D97-131D-47082BA5072C}"/>
               </a:ext>
             </a:extLst>
           </p:cNvPr>
@@ -434,7 +434,7 @@
           <p:cNvPr id="4" name="日期占位符 3">
             <a:extLst>
               <a:ext uri="{FF2B5EF4-FFF2-40B4-BE49-F238E27FC236}">
-                <a16:creationId xmlns:a16="http://schemas.microsoft.com/office/drawing/2014/main" id="{F5D3D0FA-2F3B-BF3D-C218-B996CC013CF2}"/>
+                <a16:creationId xmlns:a16="http://schemas.microsoft.com/office/drawing/2014/main" id="{B8661F47-B370-F96F-AE68-BAB0209EB9F1}"/>
               </a:ext>
             </a:extLst>
           </p:cNvPr>
@@ -450,7 +450,7 @@
           <a:bodyPr/>
           <a:lstStyle/>
           <a:p>
-            <a:fld id="{BA62487B-EF95-4D13-A01E-5B533A8E10BE}" type="datetimeFigureOut">
+            <a:fld id="{6318C4EC-C15E-4CE3-810C-8C5A7BE02FC3}" type="datetimeFigureOut">
               <a:rPr lang="zh-CN" altLang="en-US" smtClean="0"/>
               <a:t>2024/3/10</a:t>
             </a:fld>
@@ -463,7 +463,7 @@
           <p:cNvPr id="5" name="页脚占位符 4">
             <a:extLst>
               <a:ext uri="{FF2B5EF4-FFF2-40B4-BE49-F238E27FC236}">
-                <a16:creationId xmlns:a16="http://schemas.microsoft.com/office/drawing/2014/main" id="{40A50F4F-8AED-DD84-14A8-AEE716A26202}"/>
+                <a16:creationId xmlns:a16="http://schemas.microsoft.com/office/drawing/2014/main" id="{6CD88B6F-D486-966A-A1E4-4592DA75151D}"/>
               </a:ext>
             </a:extLst>
           </p:cNvPr>
@@ -488,7 +488,7 @@
           <p:cNvPr id="6" name="灯片编号占位符 5">
             <a:extLst>
               <a:ext uri="{FF2B5EF4-FFF2-40B4-BE49-F238E27FC236}">
-                <a16:creationId xmlns:a16="http://schemas.microsoft.com/office/drawing/2014/main" id="{3110EC10-256C-786F-85FA-EF644B5620DB}"/>
+                <a16:creationId xmlns:a16="http://schemas.microsoft.com/office/drawing/2014/main" id="{1CD79872-6DA9-C745-5729-5F24CA5BC398}"/>
               </a:ext>
             </a:extLst>
           </p:cNvPr>
@@ -504,7 +504,7 @@
           <a:bodyPr/>
           <a:lstStyle/>
           <a:p>
-            <a:fld id="{8B68F3C1-C289-4B8C-8DF5-6D2C15061BEC}" type="slidenum">
+            <a:fld id="{CC4F2802-8A8B-48C7-B368-469EEC0A3886}" type="slidenum">
               <a:rPr lang="zh-CN" altLang="en-US" smtClean="0"/>
               <a:t>‹#›</a:t>
             </a:fld>
@@ -515,7 +515,7 @@
     </p:spTree>
     <p:extLst>
       <p:ext uri="{BB962C8B-B14F-4D97-AF65-F5344CB8AC3E}">
-        <p14:creationId xmlns:p14="http://schemas.microsoft.com/office/powerpoint/2010/main" val="1898313863"/>
+        <p14:creationId xmlns:p14="http://schemas.microsoft.com/office/powerpoint/2010/main" val="2226863707"/>
       </p:ext>
     </p:extLst>
   </p:cSld>
@@ -547,7 +547,7 @@
           <p:cNvPr id="2" name="竖排标题 1">
             <a:extLst>
               <a:ext uri="{FF2B5EF4-FFF2-40B4-BE49-F238E27FC236}">
-                <a16:creationId xmlns:a16="http://schemas.microsoft.com/office/drawing/2014/main" id="{30F74C8E-2A86-4969-0E74-D0A9D35EE163}"/>
+                <a16:creationId xmlns:a16="http://schemas.microsoft.com/office/drawing/2014/main" id="{68AA6DC1-984A-CA76-FCDF-E3BAB7BE320B}"/>
               </a:ext>
             </a:extLst>
           </p:cNvPr>
@@ -580,7 +580,7 @@
           <p:cNvPr id="3" name="竖排文字占位符 2">
             <a:extLst>
               <a:ext uri="{FF2B5EF4-FFF2-40B4-BE49-F238E27FC236}">
-                <a16:creationId xmlns:a16="http://schemas.microsoft.com/office/drawing/2014/main" id="{7244C6DD-DAA3-E66C-0F02-BA139E7B9929}"/>
+                <a16:creationId xmlns:a16="http://schemas.microsoft.com/office/drawing/2014/main" id="{94EA0AFD-A0B7-E706-1A9D-0DBD70427E47}"/>
               </a:ext>
             </a:extLst>
           </p:cNvPr>
@@ -642,7 +642,7 @@
           <p:cNvPr id="4" name="日期占位符 3">
             <a:extLst>
               <a:ext uri="{FF2B5EF4-FFF2-40B4-BE49-F238E27FC236}">
-                <a16:creationId xmlns:a16="http://schemas.microsoft.com/office/drawing/2014/main" id="{C972A4D6-057C-9726-AD7E-6D028564C442}"/>
+                <a16:creationId xmlns:a16="http://schemas.microsoft.com/office/drawing/2014/main" id="{A12A1FD0-5BFC-F355-84AA-818BF7FF58BD}"/>
               </a:ext>
             </a:extLst>
           </p:cNvPr>
@@ -658,7 +658,7 @@
           <a:bodyPr/>
           <a:lstStyle/>
           <a:p>
-            <a:fld id="{BA62487B-EF95-4D13-A01E-5B533A8E10BE}" type="datetimeFigureOut">
+            <a:fld id="{6318C4EC-C15E-4CE3-810C-8C5A7BE02FC3}" type="datetimeFigureOut">
               <a:rPr lang="zh-CN" altLang="en-US" smtClean="0"/>
               <a:t>2024/3/10</a:t>
             </a:fld>
@@ -671,7 +671,7 @@
           <p:cNvPr id="5" name="页脚占位符 4">
             <a:extLst>
               <a:ext uri="{FF2B5EF4-FFF2-40B4-BE49-F238E27FC236}">
-                <a16:creationId xmlns:a16="http://schemas.microsoft.com/office/drawing/2014/main" id="{7E3C9C15-51FA-E97F-1B1C-5F20A8BF9199}"/>
+                <a16:creationId xmlns:a16="http://schemas.microsoft.com/office/drawing/2014/main" id="{61E8ABC1-CC6E-135D-0008-F50D7EDEA9A6}"/>
               </a:ext>
             </a:extLst>
           </p:cNvPr>
@@ -696,7 +696,7 @@
           <p:cNvPr id="6" name="灯片编号占位符 5">
             <a:extLst>
               <a:ext uri="{FF2B5EF4-FFF2-40B4-BE49-F238E27FC236}">
-                <a16:creationId xmlns:a16="http://schemas.microsoft.com/office/drawing/2014/main" id="{D5B213FF-EFDB-64C5-F535-E15D6E851659}"/>
+                <a16:creationId xmlns:a16="http://schemas.microsoft.com/office/drawing/2014/main" id="{1DB47B80-ED34-F7C9-DBB2-DBBE4B94F89D}"/>
               </a:ext>
             </a:extLst>
           </p:cNvPr>
@@ -712,7 +712,7 @@
           <a:bodyPr/>
           <a:lstStyle/>
           <a:p>
-            <a:fld id="{8B68F3C1-C289-4B8C-8DF5-6D2C15061BEC}" type="slidenum">
+            <a:fld id="{CC4F2802-8A8B-48C7-B368-469EEC0A3886}" type="slidenum">
               <a:rPr lang="zh-CN" altLang="en-US" smtClean="0"/>
               <a:t>‹#›</a:t>
             </a:fld>
@@ -723,7 +723,7 @@
     </p:spTree>
     <p:extLst>
       <p:ext uri="{BB962C8B-B14F-4D97-AF65-F5344CB8AC3E}">
-        <p14:creationId xmlns:p14="http://schemas.microsoft.com/office/powerpoint/2010/main" val="2572799979"/>
+        <p14:creationId xmlns:p14="http://schemas.microsoft.com/office/powerpoint/2010/main" val="1566635666"/>
       </p:ext>
     </p:extLst>
   </p:cSld>
@@ -755,7 +755,7 @@
           <p:cNvPr id="2" name="标题 1">
             <a:extLst>
               <a:ext uri="{FF2B5EF4-FFF2-40B4-BE49-F238E27FC236}">
-                <a16:creationId xmlns:a16="http://schemas.microsoft.com/office/drawing/2014/main" id="{CDE055D0-3D42-D72D-A204-981FBF3ED35D}"/>
+                <a16:creationId xmlns:a16="http://schemas.microsoft.com/office/drawing/2014/main" id="{5D49254C-8182-6D9F-FB02-B8E1924A9F24}"/>
               </a:ext>
             </a:extLst>
           </p:cNvPr>
@@ -783,7 +783,7 @@
           <p:cNvPr id="3" name="内容占位符 2">
             <a:extLst>
               <a:ext uri="{FF2B5EF4-FFF2-40B4-BE49-F238E27FC236}">
-                <a16:creationId xmlns:a16="http://schemas.microsoft.com/office/drawing/2014/main" id="{1ADBFC52-BFB0-3C24-9CAE-36B1A9883DFB}"/>
+                <a16:creationId xmlns:a16="http://schemas.microsoft.com/office/drawing/2014/main" id="{8BD82C96-AD24-B50D-5F3D-6E0C3AB96A30}"/>
               </a:ext>
             </a:extLst>
           </p:cNvPr>
@@ -840,7 +840,7 @@
           <p:cNvPr id="4" name="日期占位符 3">
             <a:extLst>
               <a:ext uri="{FF2B5EF4-FFF2-40B4-BE49-F238E27FC236}">
-                <a16:creationId xmlns:a16="http://schemas.microsoft.com/office/drawing/2014/main" id="{57671CEF-EB64-3C34-D431-AA65E7096349}"/>
+                <a16:creationId xmlns:a16="http://schemas.microsoft.com/office/drawing/2014/main" id="{4FDE47CF-1981-B34C-3AA0-F8639BAD59E1}"/>
               </a:ext>
             </a:extLst>
           </p:cNvPr>
@@ -856,7 +856,7 @@
           <a:bodyPr/>
           <a:lstStyle/>
           <a:p>
-            <a:fld id="{BA62487B-EF95-4D13-A01E-5B533A8E10BE}" type="datetimeFigureOut">
+            <a:fld id="{6318C4EC-C15E-4CE3-810C-8C5A7BE02FC3}" type="datetimeFigureOut">
               <a:rPr lang="zh-CN" altLang="en-US" smtClean="0"/>
               <a:t>2024/3/10</a:t>
             </a:fld>
@@ -869,7 +869,7 @@
           <p:cNvPr id="5" name="页脚占位符 4">
             <a:extLst>
               <a:ext uri="{FF2B5EF4-FFF2-40B4-BE49-F238E27FC236}">
-                <a16:creationId xmlns:a16="http://schemas.microsoft.com/office/drawing/2014/main" id="{C1F9A6FF-F0C6-2F5E-860C-4A9781DC6466}"/>
+                <a16:creationId xmlns:a16="http://schemas.microsoft.com/office/drawing/2014/main" id="{8166940C-E532-A6BE-5E6B-237E5486E0B0}"/>
               </a:ext>
             </a:extLst>
           </p:cNvPr>
@@ -894,7 +894,7 @@
           <p:cNvPr id="6" name="灯片编号占位符 5">
             <a:extLst>
               <a:ext uri="{FF2B5EF4-FFF2-40B4-BE49-F238E27FC236}">
-                <a16:creationId xmlns:a16="http://schemas.microsoft.com/office/drawing/2014/main" id="{39FBA6FF-D84A-C687-B7FF-1AB0B27B4E84}"/>
+                <a16:creationId xmlns:a16="http://schemas.microsoft.com/office/drawing/2014/main" id="{F82D36DE-D3D1-767D-BD49-AEDAD4C2CD6E}"/>
               </a:ext>
             </a:extLst>
           </p:cNvPr>
@@ -910,7 +910,7 @@
           <a:bodyPr/>
           <a:lstStyle/>
           <a:p>
-            <a:fld id="{8B68F3C1-C289-4B8C-8DF5-6D2C15061BEC}" type="slidenum">
+            <a:fld id="{CC4F2802-8A8B-48C7-B368-469EEC0A3886}" type="slidenum">
               <a:rPr lang="zh-CN" altLang="en-US" smtClean="0"/>
               <a:t>‹#›</a:t>
             </a:fld>
@@ -921,7 +921,7 @@
     </p:spTree>
     <p:extLst>
       <p:ext uri="{BB962C8B-B14F-4D97-AF65-F5344CB8AC3E}">
-        <p14:creationId xmlns:p14="http://schemas.microsoft.com/office/powerpoint/2010/main" val="898806574"/>
+        <p14:creationId xmlns:p14="http://schemas.microsoft.com/office/powerpoint/2010/main" val="1526252442"/>
       </p:ext>
     </p:extLst>
   </p:cSld>
@@ -953,7 +953,7 @@
           <p:cNvPr id="2" name="标题 1">
             <a:extLst>
               <a:ext uri="{FF2B5EF4-FFF2-40B4-BE49-F238E27FC236}">
-                <a16:creationId xmlns:a16="http://schemas.microsoft.com/office/drawing/2014/main" id="{77A33AC6-8FDA-9852-7762-7908BF7996DA}"/>
+                <a16:creationId xmlns:a16="http://schemas.microsoft.com/office/drawing/2014/main" id="{86271A6F-284D-8E9B-DD4E-69EA4A658589}"/>
               </a:ext>
             </a:extLst>
           </p:cNvPr>
@@ -990,7 +990,7 @@
           <p:cNvPr id="3" name="文本占位符 2">
             <a:extLst>
               <a:ext uri="{FF2B5EF4-FFF2-40B4-BE49-F238E27FC236}">
-                <a16:creationId xmlns:a16="http://schemas.microsoft.com/office/drawing/2014/main" id="{A4E54380-511B-63B9-F912-82F059B1AC15}"/>
+                <a16:creationId xmlns:a16="http://schemas.microsoft.com/office/drawing/2014/main" id="{2ADD5933-718E-B330-4D4A-FCBE544F8CCC}"/>
               </a:ext>
             </a:extLst>
           </p:cNvPr>
@@ -1115,7 +1115,7 @@
           <p:cNvPr id="4" name="日期占位符 3">
             <a:extLst>
               <a:ext uri="{FF2B5EF4-FFF2-40B4-BE49-F238E27FC236}">
-                <a16:creationId xmlns:a16="http://schemas.microsoft.com/office/drawing/2014/main" id="{82C67EB2-0C55-EA97-E90B-4723611B0F36}"/>
+                <a16:creationId xmlns:a16="http://schemas.microsoft.com/office/drawing/2014/main" id="{471F4DEB-B8B0-B51B-F744-69D7D626DD57}"/>
               </a:ext>
             </a:extLst>
           </p:cNvPr>
@@ -1131,7 +1131,7 @@
           <a:bodyPr/>
           <a:lstStyle/>
           <a:p>
-            <a:fld id="{BA62487B-EF95-4D13-A01E-5B533A8E10BE}" type="datetimeFigureOut">
+            <a:fld id="{6318C4EC-C15E-4CE3-810C-8C5A7BE02FC3}" type="datetimeFigureOut">
               <a:rPr lang="zh-CN" altLang="en-US" smtClean="0"/>
               <a:t>2024/3/10</a:t>
             </a:fld>
@@ -1144,7 +1144,7 @@
           <p:cNvPr id="5" name="页脚占位符 4">
             <a:extLst>
               <a:ext uri="{FF2B5EF4-FFF2-40B4-BE49-F238E27FC236}">
-                <a16:creationId xmlns:a16="http://schemas.microsoft.com/office/drawing/2014/main" id="{70DD08BF-DB4A-5826-2230-9EE6F9855F46}"/>
+                <a16:creationId xmlns:a16="http://schemas.microsoft.com/office/drawing/2014/main" id="{9BC3D78E-5CB4-D4E6-FF7E-78A63A561A6E}"/>
               </a:ext>
             </a:extLst>
           </p:cNvPr>
@@ -1169,7 +1169,7 @@
           <p:cNvPr id="6" name="灯片编号占位符 5">
             <a:extLst>
               <a:ext uri="{FF2B5EF4-FFF2-40B4-BE49-F238E27FC236}">
-                <a16:creationId xmlns:a16="http://schemas.microsoft.com/office/drawing/2014/main" id="{782E9240-E60F-280E-558F-CFB2029FEFC4}"/>
+                <a16:creationId xmlns:a16="http://schemas.microsoft.com/office/drawing/2014/main" id="{6A7389C3-D38E-DBCA-DA93-E007896267AB}"/>
               </a:ext>
             </a:extLst>
           </p:cNvPr>
@@ -1185,7 +1185,7 @@
           <a:bodyPr/>
           <a:lstStyle/>
           <a:p>
-            <a:fld id="{8B68F3C1-C289-4B8C-8DF5-6D2C15061BEC}" type="slidenum">
+            <a:fld id="{CC4F2802-8A8B-48C7-B368-469EEC0A3886}" type="slidenum">
               <a:rPr lang="zh-CN" altLang="en-US" smtClean="0"/>
               <a:t>‹#›</a:t>
             </a:fld>
@@ -1196,7 +1196,7 @@
     </p:spTree>
     <p:extLst>
       <p:ext uri="{BB962C8B-B14F-4D97-AF65-F5344CB8AC3E}">
-        <p14:creationId xmlns:p14="http://schemas.microsoft.com/office/powerpoint/2010/main" val="994980090"/>
+        <p14:creationId xmlns:p14="http://schemas.microsoft.com/office/powerpoint/2010/main" val="1677739283"/>
       </p:ext>
     </p:extLst>
   </p:cSld>
@@ -1228,7 +1228,7 @@
           <p:cNvPr id="2" name="标题 1">
             <a:extLst>
               <a:ext uri="{FF2B5EF4-FFF2-40B4-BE49-F238E27FC236}">
-                <a16:creationId xmlns:a16="http://schemas.microsoft.com/office/drawing/2014/main" id="{20C70A8D-49A3-636A-FF7A-0F2C1207A892}"/>
+                <a16:creationId xmlns:a16="http://schemas.microsoft.com/office/drawing/2014/main" id="{EC794CB0-9702-F49E-DD83-C1C06A136F95}"/>
               </a:ext>
             </a:extLst>
           </p:cNvPr>
@@ -1256,7 +1256,7 @@
           <p:cNvPr id="3" name="内容占位符 2">
             <a:extLst>
               <a:ext uri="{FF2B5EF4-FFF2-40B4-BE49-F238E27FC236}">
-                <a16:creationId xmlns:a16="http://schemas.microsoft.com/office/drawing/2014/main" id="{03C4C6B5-64D5-E0B7-E95C-EBD054C81D54}"/>
+                <a16:creationId xmlns:a16="http://schemas.microsoft.com/office/drawing/2014/main" id="{89DC9890-A9CC-8A40-052B-942DC03D9062}"/>
               </a:ext>
             </a:extLst>
           </p:cNvPr>
@@ -1318,7 +1318,7 @@
           <p:cNvPr id="4" name="内容占位符 3">
             <a:extLst>
               <a:ext uri="{FF2B5EF4-FFF2-40B4-BE49-F238E27FC236}">
-                <a16:creationId xmlns:a16="http://schemas.microsoft.com/office/drawing/2014/main" id="{836E0321-7E45-C167-EDBE-A6A442D7DF26}"/>
+                <a16:creationId xmlns:a16="http://schemas.microsoft.com/office/drawing/2014/main" id="{7B2C33F6-D039-F4BF-6B3E-AC51436B777C}"/>
               </a:ext>
             </a:extLst>
           </p:cNvPr>
@@ -1380,7 +1380,7 @@
           <p:cNvPr id="5" name="日期占位符 4">
             <a:extLst>
               <a:ext uri="{FF2B5EF4-FFF2-40B4-BE49-F238E27FC236}">
-                <a16:creationId xmlns:a16="http://schemas.microsoft.com/office/drawing/2014/main" id="{784D8920-0A80-3102-92A7-658D90FC13C9}"/>
+                <a16:creationId xmlns:a16="http://schemas.microsoft.com/office/drawing/2014/main" id="{A4759EFA-1061-D6D1-C6D8-BE7BBEAE6D41}"/>
               </a:ext>
             </a:extLst>
           </p:cNvPr>
@@ -1396,7 +1396,7 @@
           <a:bodyPr/>
           <a:lstStyle/>
           <a:p>
-            <a:fld id="{BA62487B-EF95-4D13-A01E-5B533A8E10BE}" type="datetimeFigureOut">
+            <a:fld id="{6318C4EC-C15E-4CE3-810C-8C5A7BE02FC3}" type="datetimeFigureOut">
               <a:rPr lang="zh-CN" altLang="en-US" smtClean="0"/>
               <a:t>2024/3/10</a:t>
             </a:fld>
@@ -1409,7 +1409,7 @@
           <p:cNvPr id="6" name="页脚占位符 5">
             <a:extLst>
               <a:ext uri="{FF2B5EF4-FFF2-40B4-BE49-F238E27FC236}">
-                <a16:creationId xmlns:a16="http://schemas.microsoft.com/office/drawing/2014/main" id="{A56F0A2D-4511-3ED3-42EC-17CDB657B12F}"/>
+                <a16:creationId xmlns:a16="http://schemas.microsoft.com/office/drawing/2014/main" id="{C986C0BF-ED33-9380-0070-8FD770EF1DAF}"/>
               </a:ext>
             </a:extLst>
           </p:cNvPr>
@@ -1434,7 +1434,7 @@
           <p:cNvPr id="7" name="灯片编号占位符 6">
             <a:extLst>
               <a:ext uri="{FF2B5EF4-FFF2-40B4-BE49-F238E27FC236}">
-                <a16:creationId xmlns:a16="http://schemas.microsoft.com/office/drawing/2014/main" id="{B0FBB737-31CC-F92D-B328-07370BCC8495}"/>
+                <a16:creationId xmlns:a16="http://schemas.microsoft.com/office/drawing/2014/main" id="{34918B29-B00B-70F0-BBDF-9D101A445F73}"/>
               </a:ext>
             </a:extLst>
           </p:cNvPr>
@@ -1450,7 +1450,7 @@
           <a:bodyPr/>
           <a:lstStyle/>
           <a:p>
-            <a:fld id="{8B68F3C1-C289-4B8C-8DF5-6D2C15061BEC}" type="slidenum">
+            <a:fld id="{CC4F2802-8A8B-48C7-B368-469EEC0A3886}" type="slidenum">
               <a:rPr lang="zh-CN" altLang="en-US" smtClean="0"/>
               <a:t>‹#›</a:t>
             </a:fld>
@@ -1461,7 +1461,7 @@
     </p:spTree>
     <p:extLst>
       <p:ext uri="{BB962C8B-B14F-4D97-AF65-F5344CB8AC3E}">
-        <p14:creationId xmlns:p14="http://schemas.microsoft.com/office/powerpoint/2010/main" val="3710062787"/>
+        <p14:creationId xmlns:p14="http://schemas.microsoft.com/office/powerpoint/2010/main" val="3324416986"/>
       </p:ext>
     </p:extLst>
   </p:cSld>
@@ -1493,7 +1493,7 @@
           <p:cNvPr id="2" name="标题 1">
             <a:extLst>
               <a:ext uri="{FF2B5EF4-FFF2-40B4-BE49-F238E27FC236}">
-                <a16:creationId xmlns:a16="http://schemas.microsoft.com/office/drawing/2014/main" id="{54239CB3-CEB6-F820-1193-8FC38E88DDEA}"/>
+                <a16:creationId xmlns:a16="http://schemas.microsoft.com/office/drawing/2014/main" id="{F2ED1852-52D9-61F5-A05C-185036D56783}"/>
               </a:ext>
             </a:extLst>
           </p:cNvPr>
@@ -1526,7 +1526,7 @@
           <p:cNvPr id="3" name="文本占位符 2">
             <a:extLst>
               <a:ext uri="{FF2B5EF4-FFF2-40B4-BE49-F238E27FC236}">
-                <a16:creationId xmlns:a16="http://schemas.microsoft.com/office/drawing/2014/main" id="{11B3CA9B-07F2-EC57-0679-D65057CA6F9E}"/>
+                <a16:creationId xmlns:a16="http://schemas.microsoft.com/office/drawing/2014/main" id="{668AB340-FF2E-AD37-DE17-E2E804D029C0}"/>
               </a:ext>
             </a:extLst>
           </p:cNvPr>
@@ -1597,7 +1597,7 @@
           <p:cNvPr id="4" name="内容占位符 3">
             <a:extLst>
               <a:ext uri="{FF2B5EF4-FFF2-40B4-BE49-F238E27FC236}">
-                <a16:creationId xmlns:a16="http://schemas.microsoft.com/office/drawing/2014/main" id="{05EF158C-B64D-C608-7FBD-CD668F04A3AC}"/>
+                <a16:creationId xmlns:a16="http://schemas.microsoft.com/office/drawing/2014/main" id="{2D04182D-9A7C-5AEB-E1A2-402197597BD1}"/>
               </a:ext>
             </a:extLst>
           </p:cNvPr>
@@ -1659,7 +1659,7 @@
           <p:cNvPr id="5" name="文本占位符 4">
             <a:extLst>
               <a:ext uri="{FF2B5EF4-FFF2-40B4-BE49-F238E27FC236}">
-                <a16:creationId xmlns:a16="http://schemas.microsoft.com/office/drawing/2014/main" id="{05F306CA-4DF2-FD83-9A7B-B8A786DA230B}"/>
+                <a16:creationId xmlns:a16="http://schemas.microsoft.com/office/drawing/2014/main" id="{BA0039D7-44FC-9DA1-F47D-2B838B92E2EF}"/>
               </a:ext>
             </a:extLst>
           </p:cNvPr>
@@ -1730,7 +1730,7 @@
           <p:cNvPr id="6" name="内容占位符 5">
             <a:extLst>
               <a:ext uri="{FF2B5EF4-FFF2-40B4-BE49-F238E27FC236}">
-                <a16:creationId xmlns:a16="http://schemas.microsoft.com/office/drawing/2014/main" id="{EE8A54E8-60CD-C6A5-B12E-3784C2E40998}"/>
+                <a16:creationId xmlns:a16="http://schemas.microsoft.com/office/drawing/2014/main" id="{27C75E67-C940-51B5-C162-47362979ED66}"/>
               </a:ext>
             </a:extLst>
           </p:cNvPr>
@@ -1792,7 +1792,7 @@
           <p:cNvPr id="7" name="日期占位符 6">
             <a:extLst>
               <a:ext uri="{FF2B5EF4-FFF2-40B4-BE49-F238E27FC236}">
-                <a16:creationId xmlns:a16="http://schemas.microsoft.com/office/drawing/2014/main" id="{83F9A4B2-A513-05BA-3452-2A76115AB6E1}"/>
+                <a16:creationId xmlns:a16="http://schemas.microsoft.com/office/drawing/2014/main" id="{3AF6FEBC-2F46-8E40-E5FD-89D6395901E2}"/>
               </a:ext>
             </a:extLst>
           </p:cNvPr>
@@ -1808,7 +1808,7 @@
           <a:bodyPr/>
           <a:lstStyle/>
           <a:p>
-            <a:fld id="{BA62487B-EF95-4D13-A01E-5B533A8E10BE}" type="datetimeFigureOut">
+            <a:fld id="{6318C4EC-C15E-4CE3-810C-8C5A7BE02FC3}" type="datetimeFigureOut">
               <a:rPr lang="zh-CN" altLang="en-US" smtClean="0"/>
               <a:t>2024/3/10</a:t>
             </a:fld>
@@ -1821,7 +1821,7 @@
           <p:cNvPr id="8" name="页脚占位符 7">
             <a:extLst>
               <a:ext uri="{FF2B5EF4-FFF2-40B4-BE49-F238E27FC236}">
-                <a16:creationId xmlns:a16="http://schemas.microsoft.com/office/drawing/2014/main" id="{4CD063BA-51BB-4B52-C7B2-6DA82DB6AF65}"/>
+                <a16:creationId xmlns:a16="http://schemas.microsoft.com/office/drawing/2014/main" id="{69C36D58-656D-FC1A-B3D7-4C81D26974BC}"/>
               </a:ext>
             </a:extLst>
           </p:cNvPr>
@@ -1846,7 +1846,7 @@
           <p:cNvPr id="9" name="灯片编号占位符 8">
             <a:extLst>
               <a:ext uri="{FF2B5EF4-FFF2-40B4-BE49-F238E27FC236}">
-                <a16:creationId xmlns:a16="http://schemas.microsoft.com/office/drawing/2014/main" id="{6D555A44-9EC9-3AF4-B4AE-3ECE3E225C17}"/>
+                <a16:creationId xmlns:a16="http://schemas.microsoft.com/office/drawing/2014/main" id="{F44DC25B-4584-45B0-FED8-CCB9FBF3CCF6}"/>
               </a:ext>
             </a:extLst>
           </p:cNvPr>
@@ -1862,7 +1862,7 @@
           <a:bodyPr/>
           <a:lstStyle/>
           <a:p>
-            <a:fld id="{8B68F3C1-C289-4B8C-8DF5-6D2C15061BEC}" type="slidenum">
+            <a:fld id="{CC4F2802-8A8B-48C7-B368-469EEC0A3886}" type="slidenum">
               <a:rPr lang="zh-CN" altLang="en-US" smtClean="0"/>
               <a:t>‹#›</a:t>
             </a:fld>
@@ -1873,7 +1873,7 @@
     </p:spTree>
     <p:extLst>
       <p:ext uri="{BB962C8B-B14F-4D97-AF65-F5344CB8AC3E}">
-        <p14:creationId xmlns:p14="http://schemas.microsoft.com/office/powerpoint/2010/main" val="1182202962"/>
+        <p14:creationId xmlns:p14="http://schemas.microsoft.com/office/powerpoint/2010/main" val="520980072"/>
       </p:ext>
     </p:extLst>
   </p:cSld>
@@ -1905,7 +1905,7 @@
           <p:cNvPr id="2" name="标题 1">
             <a:extLst>
               <a:ext uri="{FF2B5EF4-FFF2-40B4-BE49-F238E27FC236}">
-                <a16:creationId xmlns:a16="http://schemas.microsoft.com/office/drawing/2014/main" id="{A17E1D07-97BB-4558-56AD-561E979D031D}"/>
+                <a16:creationId xmlns:a16="http://schemas.microsoft.com/office/drawing/2014/main" id="{71476CA8-AD70-B81B-FBA4-01B897C305A4}"/>
               </a:ext>
             </a:extLst>
           </p:cNvPr>
@@ -1933,7 +1933,7 @@
           <p:cNvPr id="3" name="日期占位符 2">
             <a:extLst>
               <a:ext uri="{FF2B5EF4-FFF2-40B4-BE49-F238E27FC236}">
-                <a16:creationId xmlns:a16="http://schemas.microsoft.com/office/drawing/2014/main" id="{B5E6D651-D8C9-17B6-C697-A549B093C944}"/>
+                <a16:creationId xmlns:a16="http://schemas.microsoft.com/office/drawing/2014/main" id="{B3EEE8D4-F4C9-4F1C-D7C5-E221E41CC614}"/>
               </a:ext>
             </a:extLst>
           </p:cNvPr>
@@ -1949,7 +1949,7 @@
           <a:bodyPr/>
           <a:lstStyle/>
           <a:p>
-            <a:fld id="{BA62487B-EF95-4D13-A01E-5B533A8E10BE}" type="datetimeFigureOut">
+            <a:fld id="{6318C4EC-C15E-4CE3-810C-8C5A7BE02FC3}" type="datetimeFigureOut">
               <a:rPr lang="zh-CN" altLang="en-US" smtClean="0"/>
               <a:t>2024/3/10</a:t>
             </a:fld>
@@ -1962,7 +1962,7 @@
           <p:cNvPr id="4" name="页脚占位符 3">
             <a:extLst>
               <a:ext uri="{FF2B5EF4-FFF2-40B4-BE49-F238E27FC236}">
-                <a16:creationId xmlns:a16="http://schemas.microsoft.com/office/drawing/2014/main" id="{F77B0FD7-D722-856E-7C96-94B9E7FE758B}"/>
+                <a16:creationId xmlns:a16="http://schemas.microsoft.com/office/drawing/2014/main" id="{1F35E331-F27B-2EBD-E8E1-CEEF628F6ABA}"/>
               </a:ext>
             </a:extLst>
           </p:cNvPr>
@@ -1987,7 +1987,7 @@
           <p:cNvPr id="5" name="灯片编号占位符 4">
             <a:extLst>
               <a:ext uri="{FF2B5EF4-FFF2-40B4-BE49-F238E27FC236}">
-                <a16:creationId xmlns:a16="http://schemas.microsoft.com/office/drawing/2014/main" id="{3DBD41B7-9881-FE58-B572-19686DFDB7CA}"/>
+                <a16:creationId xmlns:a16="http://schemas.microsoft.com/office/drawing/2014/main" id="{3607A0A7-7DAC-E269-5591-1843A9E5A6AF}"/>
               </a:ext>
             </a:extLst>
           </p:cNvPr>
@@ -2003,7 +2003,7 @@
           <a:bodyPr/>
           <a:lstStyle/>
           <a:p>
-            <a:fld id="{8B68F3C1-C289-4B8C-8DF5-6D2C15061BEC}" type="slidenum">
+            <a:fld id="{CC4F2802-8A8B-48C7-B368-469EEC0A3886}" type="slidenum">
               <a:rPr lang="zh-CN" altLang="en-US" smtClean="0"/>
               <a:t>‹#›</a:t>
             </a:fld>
@@ -2014,7 +2014,7 @@
     </p:spTree>
     <p:extLst>
       <p:ext uri="{BB962C8B-B14F-4D97-AF65-F5344CB8AC3E}">
-        <p14:creationId xmlns:p14="http://schemas.microsoft.com/office/powerpoint/2010/main" val="2969486716"/>
+        <p14:creationId xmlns:p14="http://schemas.microsoft.com/office/powerpoint/2010/main" val="2579961714"/>
       </p:ext>
     </p:extLst>
   </p:cSld>
@@ -2046,7 +2046,7 @@
           <p:cNvPr id="2" name="日期占位符 1">
             <a:extLst>
               <a:ext uri="{FF2B5EF4-FFF2-40B4-BE49-F238E27FC236}">
-                <a16:creationId xmlns:a16="http://schemas.microsoft.com/office/drawing/2014/main" id="{70BEA158-CF5F-C79B-A266-B6B0B7E3A1E4}"/>
+                <a16:creationId xmlns:a16="http://schemas.microsoft.com/office/drawing/2014/main" id="{332A01C8-45D0-BF62-5D75-C8517004728A}"/>
               </a:ext>
             </a:extLst>
           </p:cNvPr>
@@ -2062,7 +2062,7 @@
           <a:bodyPr/>
           <a:lstStyle/>
           <a:p>
-            <a:fld id="{BA62487B-EF95-4D13-A01E-5B533A8E10BE}" type="datetimeFigureOut">
+            <a:fld id="{6318C4EC-C15E-4CE3-810C-8C5A7BE02FC3}" type="datetimeFigureOut">
               <a:rPr lang="zh-CN" altLang="en-US" smtClean="0"/>
               <a:t>2024/3/10</a:t>
             </a:fld>
@@ -2075,7 +2075,7 @@
           <p:cNvPr id="3" name="页脚占位符 2">
             <a:extLst>
               <a:ext uri="{FF2B5EF4-FFF2-40B4-BE49-F238E27FC236}">
-                <a16:creationId xmlns:a16="http://schemas.microsoft.com/office/drawing/2014/main" id="{BA514163-451B-BFF3-94EE-8EC7D3C0D318}"/>
+                <a16:creationId xmlns:a16="http://schemas.microsoft.com/office/drawing/2014/main" id="{ACEA5BB8-EC14-468F-33E1-7077ADC078AD}"/>
               </a:ext>
             </a:extLst>
           </p:cNvPr>
@@ -2100,7 +2100,7 @@
           <p:cNvPr id="4" name="灯片编号占位符 3">
             <a:extLst>
               <a:ext uri="{FF2B5EF4-FFF2-40B4-BE49-F238E27FC236}">
-                <a16:creationId xmlns:a16="http://schemas.microsoft.com/office/drawing/2014/main" id="{57DBC899-4E3D-9ADB-CAA6-9ACE62296AE4}"/>
+                <a16:creationId xmlns:a16="http://schemas.microsoft.com/office/drawing/2014/main" id="{5D9FBA0D-B764-90CA-D684-B77E9EBB8617}"/>
               </a:ext>
             </a:extLst>
           </p:cNvPr>
@@ -2116,7 +2116,7 @@
           <a:bodyPr/>
           <a:lstStyle/>
           <a:p>
-            <a:fld id="{8B68F3C1-C289-4B8C-8DF5-6D2C15061BEC}" type="slidenum">
+            <a:fld id="{CC4F2802-8A8B-48C7-B368-469EEC0A3886}" type="slidenum">
               <a:rPr lang="zh-CN" altLang="en-US" smtClean="0"/>
               <a:t>‹#›</a:t>
             </a:fld>
@@ -2127,7 +2127,7 @@
     </p:spTree>
     <p:extLst>
       <p:ext uri="{BB962C8B-B14F-4D97-AF65-F5344CB8AC3E}">
-        <p14:creationId xmlns:p14="http://schemas.microsoft.com/office/powerpoint/2010/main" val="521065256"/>
+        <p14:creationId xmlns:p14="http://schemas.microsoft.com/office/powerpoint/2010/main" val="1836507930"/>
       </p:ext>
     </p:extLst>
   </p:cSld>
@@ -2159,7 +2159,7 @@
           <p:cNvPr id="2" name="标题 1">
             <a:extLst>
               <a:ext uri="{FF2B5EF4-FFF2-40B4-BE49-F238E27FC236}">
-                <a16:creationId xmlns:a16="http://schemas.microsoft.com/office/drawing/2014/main" id="{5B14CE40-E4F2-165E-D80D-EB26941E8BAA}"/>
+                <a16:creationId xmlns:a16="http://schemas.microsoft.com/office/drawing/2014/main" id="{44914D6B-D2C0-8C30-8FF4-27056BE6A847}"/>
               </a:ext>
             </a:extLst>
           </p:cNvPr>
@@ -2196,7 +2196,7 @@
           <p:cNvPr id="3" name="内容占位符 2">
             <a:extLst>
               <a:ext uri="{FF2B5EF4-FFF2-40B4-BE49-F238E27FC236}">
-                <a16:creationId xmlns:a16="http://schemas.microsoft.com/office/drawing/2014/main" id="{2893AA4D-AC33-8BDE-6FB4-436D4A60DA76}"/>
+                <a16:creationId xmlns:a16="http://schemas.microsoft.com/office/drawing/2014/main" id="{E362ADF9-7D95-7506-19EA-2ABB4872B30A}"/>
               </a:ext>
             </a:extLst>
           </p:cNvPr>
@@ -2286,7 +2286,7 @@
           <p:cNvPr id="4" name="文本占位符 3">
             <a:extLst>
               <a:ext uri="{FF2B5EF4-FFF2-40B4-BE49-F238E27FC236}">
-                <a16:creationId xmlns:a16="http://schemas.microsoft.com/office/drawing/2014/main" id="{13123519-7BF4-592B-6677-6E7DE2B6175B}"/>
+                <a16:creationId xmlns:a16="http://schemas.microsoft.com/office/drawing/2014/main" id="{22855597-6ED2-FB01-A532-2B9A5EF01F91}"/>
               </a:ext>
             </a:extLst>
           </p:cNvPr>
@@ -2357,7 +2357,7 @@
           <p:cNvPr id="5" name="日期占位符 4">
             <a:extLst>
               <a:ext uri="{FF2B5EF4-FFF2-40B4-BE49-F238E27FC236}">
-                <a16:creationId xmlns:a16="http://schemas.microsoft.com/office/drawing/2014/main" id="{FAA8C25A-DC81-D791-99FB-2B7BAA35DD97}"/>
+                <a16:creationId xmlns:a16="http://schemas.microsoft.com/office/drawing/2014/main" id="{272BCEEA-9803-5347-9953-6D6805A56F9C}"/>
               </a:ext>
             </a:extLst>
           </p:cNvPr>
@@ -2373,7 +2373,7 @@
           <a:bodyPr/>
           <a:lstStyle/>
           <a:p>
-            <a:fld id="{BA62487B-EF95-4D13-A01E-5B533A8E10BE}" type="datetimeFigureOut">
+            <a:fld id="{6318C4EC-C15E-4CE3-810C-8C5A7BE02FC3}" type="datetimeFigureOut">
               <a:rPr lang="zh-CN" altLang="en-US" smtClean="0"/>
               <a:t>2024/3/10</a:t>
             </a:fld>
@@ -2386,7 +2386,7 @@
           <p:cNvPr id="6" name="页脚占位符 5">
             <a:extLst>
               <a:ext uri="{FF2B5EF4-FFF2-40B4-BE49-F238E27FC236}">
-                <a16:creationId xmlns:a16="http://schemas.microsoft.com/office/drawing/2014/main" id="{744B57C4-833A-052B-4577-F4B7C5DF8F38}"/>
+                <a16:creationId xmlns:a16="http://schemas.microsoft.com/office/drawing/2014/main" id="{CBAF7E83-4936-DA7B-B8D3-A28237582E53}"/>
               </a:ext>
             </a:extLst>
           </p:cNvPr>
@@ -2411,7 +2411,7 @@
           <p:cNvPr id="7" name="灯片编号占位符 6">
             <a:extLst>
               <a:ext uri="{FF2B5EF4-FFF2-40B4-BE49-F238E27FC236}">
-                <a16:creationId xmlns:a16="http://schemas.microsoft.com/office/drawing/2014/main" id="{9A207215-221A-B0EE-3D8E-D5B96B7F6898}"/>
+                <a16:creationId xmlns:a16="http://schemas.microsoft.com/office/drawing/2014/main" id="{66240138-2692-C65B-28B6-A783FBA3FF9B}"/>
               </a:ext>
             </a:extLst>
           </p:cNvPr>
@@ -2427,7 +2427,7 @@
           <a:bodyPr/>
           <a:lstStyle/>
           <a:p>
-            <a:fld id="{8B68F3C1-C289-4B8C-8DF5-6D2C15061BEC}" type="slidenum">
+            <a:fld id="{CC4F2802-8A8B-48C7-B368-469EEC0A3886}" type="slidenum">
               <a:rPr lang="zh-CN" altLang="en-US" smtClean="0"/>
               <a:t>‹#›</a:t>
             </a:fld>
@@ -2438,7 +2438,7 @@
     </p:spTree>
     <p:extLst>
       <p:ext uri="{BB962C8B-B14F-4D97-AF65-F5344CB8AC3E}">
-        <p14:creationId xmlns:p14="http://schemas.microsoft.com/office/powerpoint/2010/main" val="443784709"/>
+        <p14:creationId xmlns:p14="http://schemas.microsoft.com/office/powerpoint/2010/main" val="3562123784"/>
       </p:ext>
     </p:extLst>
   </p:cSld>
@@ -2470,7 +2470,7 @@
           <p:cNvPr id="2" name="标题 1">
             <a:extLst>
               <a:ext uri="{FF2B5EF4-FFF2-40B4-BE49-F238E27FC236}">
-                <a16:creationId xmlns:a16="http://schemas.microsoft.com/office/drawing/2014/main" id="{EB464D1C-CC2A-4D8A-9CDA-2B6855D9C3F4}"/>
+                <a16:creationId xmlns:a16="http://schemas.microsoft.com/office/drawing/2014/main" id="{3F6251F4-6788-899D-A70D-92D0C5E87F33}"/>
               </a:ext>
             </a:extLst>
           </p:cNvPr>
@@ -2507,7 +2507,7 @@
           <p:cNvPr id="3" name="图片占位符 2">
             <a:extLst>
               <a:ext uri="{FF2B5EF4-FFF2-40B4-BE49-F238E27FC236}">
-                <a16:creationId xmlns:a16="http://schemas.microsoft.com/office/drawing/2014/main" id="{A09CDE5D-210C-520C-A7BB-26550F34AE7C}"/>
+                <a16:creationId xmlns:a16="http://schemas.microsoft.com/office/drawing/2014/main" id="{4D067968-B352-48CA-95B0-2EE73064CF9E}"/>
               </a:ext>
             </a:extLst>
           </p:cNvPr>
@@ -2574,7 +2574,7 @@
           <p:cNvPr id="4" name="文本占位符 3">
             <a:extLst>
               <a:ext uri="{FF2B5EF4-FFF2-40B4-BE49-F238E27FC236}">
-                <a16:creationId xmlns:a16="http://schemas.microsoft.com/office/drawing/2014/main" id="{D7491533-7BA6-3453-2501-99E7845BAF0A}"/>
+                <a16:creationId xmlns:a16="http://schemas.microsoft.com/office/drawing/2014/main" id="{99F302E9-28A7-6515-45F0-C7C92477C892}"/>
               </a:ext>
             </a:extLst>
           </p:cNvPr>
@@ -2645,7 +2645,7 @@
           <p:cNvPr id="5" name="日期占位符 4">
             <a:extLst>
               <a:ext uri="{FF2B5EF4-FFF2-40B4-BE49-F238E27FC236}">
-                <a16:creationId xmlns:a16="http://schemas.microsoft.com/office/drawing/2014/main" id="{26E0B488-EDB6-A30F-ADC5-77C62B59D355}"/>
+                <a16:creationId xmlns:a16="http://schemas.microsoft.com/office/drawing/2014/main" id="{FBB45FA8-72B6-E5FC-D9DB-A999EDC88FF1}"/>
               </a:ext>
             </a:extLst>
           </p:cNvPr>
@@ -2661,7 +2661,7 @@
           <a:bodyPr/>
           <a:lstStyle/>
           <a:p>
-            <a:fld id="{BA62487B-EF95-4D13-A01E-5B533A8E10BE}" type="datetimeFigureOut">
+            <a:fld id="{6318C4EC-C15E-4CE3-810C-8C5A7BE02FC3}" type="datetimeFigureOut">
               <a:rPr lang="zh-CN" altLang="en-US" smtClean="0"/>
               <a:t>2024/3/10</a:t>
             </a:fld>
@@ -2674,7 +2674,7 @@
           <p:cNvPr id="6" name="页脚占位符 5">
             <a:extLst>
               <a:ext uri="{FF2B5EF4-FFF2-40B4-BE49-F238E27FC236}">
-                <a16:creationId xmlns:a16="http://schemas.microsoft.com/office/drawing/2014/main" id="{70E14AA9-013B-ECAC-884E-3B4778EE62B9}"/>
+                <a16:creationId xmlns:a16="http://schemas.microsoft.com/office/drawing/2014/main" id="{12695127-15FB-73A7-C01C-A6C74C17691D}"/>
               </a:ext>
             </a:extLst>
           </p:cNvPr>
@@ -2699,7 +2699,7 @@
           <p:cNvPr id="7" name="灯片编号占位符 6">
             <a:extLst>
               <a:ext uri="{FF2B5EF4-FFF2-40B4-BE49-F238E27FC236}">
-                <a16:creationId xmlns:a16="http://schemas.microsoft.com/office/drawing/2014/main" id="{E381E193-DA74-6675-6EFD-AA4449CEEC6C}"/>
+                <a16:creationId xmlns:a16="http://schemas.microsoft.com/office/drawing/2014/main" id="{515290FE-4668-2FCB-54AF-DC554CE2F19F}"/>
               </a:ext>
             </a:extLst>
           </p:cNvPr>
@@ -2715,7 +2715,7 @@
           <a:bodyPr/>
           <a:lstStyle/>
           <a:p>
-            <a:fld id="{8B68F3C1-C289-4B8C-8DF5-6D2C15061BEC}" type="slidenum">
+            <a:fld id="{CC4F2802-8A8B-48C7-B368-469EEC0A3886}" type="slidenum">
               <a:rPr lang="zh-CN" altLang="en-US" smtClean="0"/>
               <a:t>‹#›</a:t>
             </a:fld>
@@ -2726,7 +2726,7 @@
     </p:spTree>
     <p:extLst>
       <p:ext uri="{BB962C8B-B14F-4D97-AF65-F5344CB8AC3E}">
-        <p14:creationId xmlns:p14="http://schemas.microsoft.com/office/powerpoint/2010/main" val="2429341016"/>
+        <p14:creationId xmlns:p14="http://schemas.microsoft.com/office/powerpoint/2010/main" val="2693175015"/>
       </p:ext>
     </p:extLst>
   </p:cSld>
@@ -2763,7 +2763,7 @@
           <p:cNvPr id="2" name="标题占位符 1">
             <a:extLst>
               <a:ext uri="{FF2B5EF4-FFF2-40B4-BE49-F238E27FC236}">
-                <a16:creationId xmlns:a16="http://schemas.microsoft.com/office/drawing/2014/main" id="{7E6E8407-209D-B1D2-F6A6-39C89F18C947}"/>
+                <a16:creationId xmlns:a16="http://schemas.microsoft.com/office/drawing/2014/main" id="{9C1E26AD-B419-BBA4-5EB9-071C743CEDA0}"/>
               </a:ext>
             </a:extLst>
           </p:cNvPr>
@@ -2801,7 +2801,7 @@
           <p:cNvPr id="3" name="文本占位符 2">
             <a:extLst>
               <a:ext uri="{FF2B5EF4-FFF2-40B4-BE49-F238E27FC236}">
-                <a16:creationId xmlns:a16="http://schemas.microsoft.com/office/drawing/2014/main" id="{4771A40C-4365-C7A5-785C-436950794228}"/>
+                <a16:creationId xmlns:a16="http://schemas.microsoft.com/office/drawing/2014/main" id="{D5365D18-FF1E-40D1-1251-F0DD283C09BB}"/>
               </a:ext>
             </a:extLst>
           </p:cNvPr>
@@ -2868,7 +2868,7 @@
           <p:cNvPr id="4" name="日期占位符 3">
             <a:extLst>
               <a:ext uri="{FF2B5EF4-FFF2-40B4-BE49-F238E27FC236}">
-                <a16:creationId xmlns:a16="http://schemas.microsoft.com/office/drawing/2014/main" id="{6E12BDC0-4688-0DA3-5E24-6365E4407DCA}"/>
+                <a16:creationId xmlns:a16="http://schemas.microsoft.com/office/drawing/2014/main" id="{866C72CD-1B9D-D6E4-629B-86022DAB3D69}"/>
               </a:ext>
             </a:extLst>
           </p:cNvPr>
@@ -2902,7 +2902,7 @@
             </a:lvl1pPr>
           </a:lstStyle>
           <a:p>
-            <a:fld id="{BA62487B-EF95-4D13-A01E-5B533A8E10BE}" type="datetimeFigureOut">
+            <a:fld id="{6318C4EC-C15E-4CE3-810C-8C5A7BE02FC3}" type="datetimeFigureOut">
               <a:rPr lang="zh-CN" altLang="en-US" smtClean="0"/>
               <a:t>2024/3/10</a:t>
             </a:fld>
@@ -2915,7 +2915,7 @@
           <p:cNvPr id="5" name="页脚占位符 4">
             <a:extLst>
               <a:ext uri="{FF2B5EF4-FFF2-40B4-BE49-F238E27FC236}">
-                <a16:creationId xmlns:a16="http://schemas.microsoft.com/office/drawing/2014/main" id="{AF0EDADC-A5EC-BFDD-C642-95E056E5180E}"/>
+                <a16:creationId xmlns:a16="http://schemas.microsoft.com/office/drawing/2014/main" id="{CA95F3EF-60B6-1BC4-592C-5F8B3F709E78}"/>
               </a:ext>
             </a:extLst>
           </p:cNvPr>
@@ -2958,7 +2958,7 @@
           <p:cNvPr id="6" name="灯片编号占位符 5">
             <a:extLst>
               <a:ext uri="{FF2B5EF4-FFF2-40B4-BE49-F238E27FC236}">
-                <a16:creationId xmlns:a16="http://schemas.microsoft.com/office/drawing/2014/main" id="{A5AA4943-D553-BD52-FD8F-47690A689041}"/>
+                <a16:creationId xmlns:a16="http://schemas.microsoft.com/office/drawing/2014/main" id="{CEF12B55-50A2-FD5E-F2CB-04BFBA429126}"/>
               </a:ext>
             </a:extLst>
           </p:cNvPr>
@@ -2992,7 +2992,7 @@
             </a:lvl1pPr>
           </a:lstStyle>
           <a:p>
-            <a:fld id="{8B68F3C1-C289-4B8C-8DF5-6D2C15061BEC}" type="slidenum">
+            <a:fld id="{CC4F2802-8A8B-48C7-B368-469EEC0A3886}" type="slidenum">
               <a:rPr lang="zh-CN" altLang="en-US" smtClean="0"/>
               <a:t>‹#›</a:t>
             </a:fld>
@@ -3003,7 +3003,7 @@
     </p:spTree>
     <p:extLst>
       <p:ext uri="{BB962C8B-B14F-4D97-AF65-F5344CB8AC3E}">
-        <p14:creationId xmlns:p14="http://schemas.microsoft.com/office/powerpoint/2010/main" val="1675839719"/>
+        <p14:creationId xmlns:p14="http://schemas.microsoft.com/office/powerpoint/2010/main" val="1640391536"/>
       </p:ext>
     </p:extLst>
   </p:cSld>
@@ -3323,7 +3323,7 @@
       </p:grpSpPr>
       <p:pic>
         <p:nvPicPr>
-          <p:cNvPr id="231426" name="Picture 2" descr="225"/>
+          <p:cNvPr id="232450" name="Picture 2" descr="226"/>
           <p:cNvPicPr>
             <a:picLocks noChangeAspect="1" noChangeArrowheads="1"/>
           </p:cNvPicPr>
@@ -3375,158 +3375,11 @@
           </a:extLst>
         </p:spPr>
       </p:pic>
-      <p:pic>
-        <p:nvPicPr>
-          <p:cNvPr id="232451" name="Picture 3" descr="225-2"/>
-          <p:cNvPicPr>
-            <a:picLocks noChangeAspect="1" noChangeArrowheads="1"/>
-          </p:cNvPicPr>
-          <p:nvPr/>
-        </p:nvPicPr>
-        <p:blipFill>
-          <a:blip r:embed="rId3">
-            <a:extLst>
-              <a:ext uri="{28A0092B-C50C-407E-A947-70E740481C1C}">
-                <a14:useLocalDpi xmlns:a14="http://schemas.microsoft.com/office/drawing/2010/main" val="0"/>
-              </a:ext>
-            </a:extLst>
-          </a:blip>
-          <a:srcRect/>
-          <a:stretch>
-            <a:fillRect/>
-          </a:stretch>
-        </p:blipFill>
-        <p:spPr bwMode="auto">
-          <a:xfrm>
-            <a:off x="1524000" y="0"/>
-            <a:ext cx="9144000" cy="6858000"/>
-          </a:xfrm>
-          <a:prstGeom prst="rect">
-            <a:avLst/>
-          </a:prstGeom>
-          <a:noFill/>
-          <a:ln>
-            <a:noFill/>
-          </a:ln>
-          <a:effectLst/>
-          <a:extLst>
-            <a:ext uri="{909E8E84-426E-40DD-AFC4-6F175D3DCCD1}">
-              <a14:hiddenFill xmlns:a14="http://schemas.microsoft.com/office/drawing/2010/main">
-                <a:solidFill>
-                  <a:srgbClr val="FFFFFF"/>
-                </a:solidFill>
-              </a14:hiddenFill>
-            </a:ext>
-            <a:ext uri="{91240B29-F687-4F45-9708-019B960494DF}">
-              <a14:hiddenLine xmlns:a14="http://schemas.microsoft.com/office/drawing/2010/main" w="9525">
-                <a:solidFill>
-                  <a:srgbClr val="000000"/>
-                </a:solidFill>
-                <a:miter lim="800000"/>
-                <a:headEnd/>
-                <a:tailEnd/>
-              </a14:hiddenLine>
-            </a:ext>
-            <a:ext uri="{AF507438-7753-43E0-B8FC-AC1667EBCBE1}">
-              <a14:hiddenEffects xmlns:a14="http://schemas.microsoft.com/office/drawing/2010/main">
-                <a:effectLst>
-                  <a:outerShdw dist="35921" dir="2700000" algn="ctr" rotWithShape="0">
-                    <a:srgbClr val="808080"/>
-                  </a:outerShdw>
-                </a:effectLst>
-              </a14:hiddenEffects>
-            </a:ext>
-          </a:extLst>
-        </p:spPr>
-      </p:pic>
     </p:spTree>
   </p:cSld>
   <p:clrMapOvr>
     <a:masterClrMapping/>
   </p:clrMapOvr>
-  <p:timing>
-    <p:tnLst>
-      <p:par>
-        <p:cTn id="1" dur="indefinite" restart="never" nodeType="tmRoot">
-          <p:childTnLst>
-            <p:seq concurrent="1" nextAc="seek">
-              <p:cTn id="2" dur="indefinite" nodeType="mainSeq">
-                <p:childTnLst>
-                  <p:par>
-                    <p:cTn id="3" fill="hold" nodeType="clickPar">
-                      <p:stCondLst>
-                        <p:cond delay="indefinite"/>
-                      </p:stCondLst>
-                      <p:childTnLst>
-                        <p:par>
-                          <p:cTn id="4" fill="hold" nodeType="withGroup">
-                            <p:stCondLst>
-                              <p:cond delay="0"/>
-                            </p:stCondLst>
-                            <p:childTnLst>
-                              <p:par>
-                                <p:cTn id="5" presetID="10" presetClass="entr" presetSubtype="0" fill="hold" nodeType="clickEffect">
-                                  <p:stCondLst>
-                                    <p:cond delay="0"/>
-                                  </p:stCondLst>
-                                  <p:childTnLst>
-                                    <p:set>
-                                      <p:cBhvr>
-                                        <p:cTn id="6" dur="1" fill="hold">
-                                          <p:stCondLst>
-                                            <p:cond delay="0"/>
-                                          </p:stCondLst>
-                                        </p:cTn>
-                                        <p:tgtEl>
-                                          <p:spTgt spid="232451"/>
-                                        </p:tgtEl>
-                                        <p:attrNameLst>
-                                          <p:attrName>style.visibility</p:attrName>
-                                        </p:attrNameLst>
-                                      </p:cBhvr>
-                                      <p:to>
-                                        <p:strVal val="visible"/>
-                                      </p:to>
-                                    </p:set>
-                                    <p:animEffect transition="in" filter="fade">
-                                      <p:cBhvr>
-                                        <p:cTn id="7" dur="500"/>
-                                        <p:tgtEl>
-                                          <p:spTgt spid="232451"/>
-                                        </p:tgtEl>
-                                      </p:cBhvr>
-                                    </p:animEffect>
-                                  </p:childTnLst>
-                                </p:cTn>
-                              </p:par>
-                            </p:childTnLst>
-                          </p:cTn>
-                        </p:par>
-                      </p:childTnLst>
-                    </p:cTn>
-                  </p:par>
-                </p:childTnLst>
-              </p:cTn>
-              <p:prevCondLst>
-                <p:cond evt="onPrev" delay="0">
-                  <p:tgtEl>
-                    <p:sldTgt/>
-                  </p:tgtEl>
-                </p:cond>
-              </p:prevCondLst>
-              <p:nextCondLst>
-                <p:cond evt="onNext" delay="0">
-                  <p:tgtEl>
-                    <p:sldTgt/>
-                  </p:tgtEl>
-                </p:cond>
-              </p:nextCondLst>
-            </p:seq>
-          </p:childTnLst>
-        </p:cTn>
-      </p:par>
-    </p:tnLst>
-  </p:timing>
 </p:sld>
 </file>
 
